--- a/softProjekat.pptx
+++ b/softProjekat.pptx
@@ -7,14 +7,22 @@
     <p:sldMasterId id="2147483674" r:id="rId3"/>
   </p:sldMasterIdLst>
   <p:notesMasterIdLst>
-    <p:notesMasterId r:id="rId9"/>
+    <p:notesMasterId r:id="rId17"/>
   </p:notesMasterIdLst>
   <p:sldIdLst>
     <p:sldId id="256" r:id="rId4"/>
     <p:sldId id="257" r:id="rId5"/>
-    <p:sldId id="262" r:id="rId6"/>
-    <p:sldId id="265" r:id="rId7"/>
-    <p:sldId id="266" r:id="rId8"/>
+    <p:sldId id="267" r:id="rId6"/>
+    <p:sldId id="268" r:id="rId7"/>
+    <p:sldId id="269" r:id="rId8"/>
+    <p:sldId id="262" r:id="rId9"/>
+    <p:sldId id="265" r:id="rId10"/>
+    <p:sldId id="266" r:id="rId11"/>
+    <p:sldId id="270" r:id="rId12"/>
+    <p:sldId id="271" r:id="rId13"/>
+    <p:sldId id="273" r:id="rId14"/>
+    <p:sldId id="272" r:id="rId15"/>
+    <p:sldId id="274" r:id="rId16"/>
   </p:sldIdLst>
   <p:sldSz cx="9144000" cy="6858000" type="screen4x3"/>
   <p:notesSz cx="6858000" cy="9144000"/>
@@ -113,6 +121,11 @@
       </a:defRPr>
     </a:lvl9pPr>
   </p:defaultTextStyle>
+  <p:extLst>
+    <p:ext uri="{EFAFB233-063F-42B5-8137-9DF3F51BA10A}">
+      <p15:sldGuideLst xmlns:p15="http://schemas.microsoft.com/office/powerpoint/2012/main"/>
+    </p:ext>
+  </p:extLst>
 </p:presentation>
 </file>
 
@@ -5790,7 +5803,7 @@
                 </a:solidFill>
                 <a:latin typeface="+mj-lt"/>
               </a:rPr>
-              <a:t>EquationPhotoCalculator</a:t>
+              <a:t>MathOCR</a:t>
             </a:r>
             <a:endParaRPr dirty="0">
               <a:latin typeface="+mj-lt"/>
@@ -6351,6 +6364,442 @@
 </p:sld>
 </file>
 
+<file path=ppt/slides/slide10.xml><?xml version="1.0" encoding="utf-8"?>
+<p:sld xmlns:a="http://schemas.openxmlformats.org/drawingml/2006/main" xmlns:r="http://schemas.openxmlformats.org/officeDocument/2006/relationships" xmlns:p="http://schemas.openxmlformats.org/presentationml/2006/main">
+  <p:cSld>
+    <p:spTree>
+      <p:nvGrpSpPr>
+        <p:cNvPr id="1" name=""/>
+        <p:cNvGrpSpPr/>
+        <p:nvPr/>
+      </p:nvGrpSpPr>
+      <p:grpSpPr>
+        <a:xfrm>
+          <a:off x="0" y="0"/>
+          <a:ext cx="0" cy="0"/>
+          <a:chOff x="0" y="0"/>
+          <a:chExt cx="0" cy="0"/>
+        </a:xfrm>
+      </p:grpSpPr>
+      <p:sp>
+        <p:nvSpPr>
+          <p:cNvPr id="2" name="Title 1"/>
+          <p:cNvSpPr>
+            <a:spLocks noGrp="1"/>
+          </p:cNvSpPr>
+          <p:nvPr>
+            <p:ph type="title"/>
+          </p:nvPr>
+        </p:nvSpPr>
+        <p:spPr/>
+        <p:txBody>
+          <a:bodyPr/>
+          <a:lstStyle/>
+          <a:p>
+            <a:pPr algn="ctr"/>
+            <a:r>
+              <a:rPr lang="sr-Latn-RS" dirty="0" smtClean="0"/>
+              <a:t>Implementacija</a:t>
+            </a:r>
+            <a:br>
+              <a:rPr lang="sr-Latn-RS" dirty="0" smtClean="0"/>
+            </a:br>
+            <a:endParaRPr lang="sr-Latn-RS" dirty="0"/>
+          </a:p>
+        </p:txBody>
+      </p:sp>
+      <p:sp>
+        <p:nvSpPr>
+          <p:cNvPr id="3" name="Subtitle 2"/>
+          <p:cNvSpPr>
+            <a:spLocks noGrp="1"/>
+          </p:cNvSpPr>
+          <p:nvPr>
+            <p:ph type="subTitle"/>
+          </p:nvPr>
+        </p:nvSpPr>
+        <p:spPr>
+          <a:xfrm>
+            <a:off x="457200" y="1621772"/>
+            <a:ext cx="8229240" cy="5400129"/>
+          </a:xfrm>
+        </p:spPr>
+        <p:txBody>
+          <a:bodyPr/>
+          <a:lstStyle/>
+          <a:p>
+            <a:r>
+              <a:rPr lang="sr-Latn-RS" dirty="0" smtClean="0"/>
+              <a:t> </a:t>
+            </a:r>
+            <a:r>
+              <a:rPr lang="sr-Latn-RS" u="sng" dirty="0" smtClean="0"/>
+              <a:t>Kreiranje obučavajućeg skupa</a:t>
+            </a:r>
+            <a:endParaRPr lang="sr-Latn-RS" dirty="0"/>
+          </a:p>
+          <a:p>
+            <a:pPr>
+              <a:buFontTx/>
+              <a:buChar char="-"/>
+            </a:pPr>
+            <a:r>
+              <a:rPr lang="sr-Latn-RS" dirty="0" smtClean="0"/>
+              <a:t>Izdvajanje regiona iz slike za uzorcima svakog elementa koji treba biti prepoznat, razvrstavanje po folderima, svaki folder ima naziv elementa i sadrži određen broj uzoraka istog</a:t>
+            </a:r>
+          </a:p>
+          <a:p>
+            <a:pPr>
+              <a:buFontTx/>
+              <a:buChar char="-"/>
+            </a:pPr>
+            <a:r>
+              <a:rPr lang="sr-Latn-RS" dirty="0" smtClean="0"/>
+              <a:t>Formiranje .tif slike prolazeći kroz formirane foldere i kreiranje odgovarajućeg .box fajla potrebnog za obučavanje </a:t>
+            </a:r>
+          </a:p>
+          <a:p>
+            <a:pPr>
+              <a:buFontTx/>
+              <a:buChar char="-"/>
+            </a:pPr>
+            <a:r>
+              <a:rPr lang="sr-Latn-RS" dirty="0" smtClean="0"/>
+              <a:t>Pozivanjem određenih tesseract komandi iz komande linije koristeći .tif sliku sa uzorcima i odgovarajući .box fajl, dobija se nova datoteka sa ekstenzijom .traineddata, koja predstavlja novokreirani obučavajući skup</a:t>
+            </a:r>
+          </a:p>
+          <a:p>
+            <a:pPr>
+              <a:buFontTx/>
+              <a:buChar char="-"/>
+            </a:pPr>
+            <a:endParaRPr lang="sr-Latn-RS" dirty="0"/>
+          </a:p>
+        </p:txBody>
+      </p:sp>
+    </p:spTree>
+    <p:extLst>
+      <p:ext uri="{BB962C8B-B14F-4D97-AF65-F5344CB8AC3E}">
+        <p14:creationId xmlns:p14="http://schemas.microsoft.com/office/powerpoint/2010/main" val="4103636356"/>
+      </p:ext>
+    </p:extLst>
+  </p:cSld>
+  <p:clrMapOvr>
+    <a:masterClrMapping/>
+  </p:clrMapOvr>
+</p:sld>
+</file>
+
+<file path=ppt/slides/slide11.xml><?xml version="1.0" encoding="utf-8"?>
+<p:sld xmlns:a="http://schemas.openxmlformats.org/drawingml/2006/main" xmlns:r="http://schemas.openxmlformats.org/officeDocument/2006/relationships" xmlns:p="http://schemas.openxmlformats.org/presentationml/2006/main">
+  <p:cSld>
+    <p:spTree>
+      <p:nvGrpSpPr>
+        <p:cNvPr id="1" name=""/>
+        <p:cNvGrpSpPr/>
+        <p:nvPr/>
+      </p:nvGrpSpPr>
+      <p:grpSpPr>
+        <a:xfrm>
+          <a:off x="0" y="0"/>
+          <a:ext cx="0" cy="0"/>
+          <a:chOff x="0" y="0"/>
+          <a:chExt cx="0" cy="0"/>
+        </a:xfrm>
+      </p:grpSpPr>
+      <p:sp>
+        <p:nvSpPr>
+          <p:cNvPr id="2" name="Title 1"/>
+          <p:cNvSpPr>
+            <a:spLocks noGrp="1"/>
+          </p:cNvSpPr>
+          <p:nvPr>
+            <p:ph type="title"/>
+          </p:nvPr>
+        </p:nvSpPr>
+        <p:spPr/>
+        <p:txBody>
+          <a:bodyPr/>
+          <a:lstStyle/>
+          <a:p>
+            <a:pPr algn="ctr"/>
+            <a:r>
+              <a:rPr lang="sr-Latn-RS" dirty="0" smtClean="0"/>
+              <a:t>Implementacija</a:t>
+            </a:r>
+            <a:endParaRPr lang="sr-Latn-RS" dirty="0"/>
+          </a:p>
+        </p:txBody>
+      </p:sp>
+      <p:pic>
+        <p:nvPicPr>
+          <p:cNvPr id="5" name="Picture 4"/>
+          <p:cNvPicPr>
+            <a:picLocks noChangeAspect="1"/>
+          </p:cNvPicPr>
+          <p:nvPr/>
+        </p:nvPicPr>
+        <p:blipFill>
+          <a:blip r:embed="rId2">
+            <a:extLst>
+              <a:ext uri="{28A0092B-C50C-407E-A947-70E740481C1C}">
+                <a14:useLocalDpi xmlns:a14="http://schemas.microsoft.com/office/drawing/2010/main" val="0"/>
+              </a:ext>
+            </a:extLst>
+          </a:blip>
+          <a:stretch>
+            <a:fillRect/>
+          </a:stretch>
+        </p:blipFill>
+        <p:spPr>
+          <a:xfrm>
+            <a:off x="0" y="1521301"/>
+            <a:ext cx="9144000" cy="4879924"/>
+          </a:xfrm>
+          <a:prstGeom prst="rect">
+            <a:avLst/>
+          </a:prstGeom>
+        </p:spPr>
+      </p:pic>
+    </p:spTree>
+    <p:extLst>
+      <p:ext uri="{BB962C8B-B14F-4D97-AF65-F5344CB8AC3E}">
+        <p14:creationId xmlns:p14="http://schemas.microsoft.com/office/powerpoint/2010/main" val="3915093517"/>
+      </p:ext>
+    </p:extLst>
+  </p:cSld>
+  <p:clrMapOvr>
+    <a:masterClrMapping/>
+  </p:clrMapOvr>
+</p:sld>
+</file>
+
+<file path=ppt/slides/slide12.xml><?xml version="1.0" encoding="utf-8"?>
+<p:sld xmlns:a="http://schemas.openxmlformats.org/drawingml/2006/main" xmlns:r="http://schemas.openxmlformats.org/officeDocument/2006/relationships" xmlns:p="http://schemas.openxmlformats.org/presentationml/2006/main">
+  <p:cSld>
+    <p:spTree>
+      <p:nvGrpSpPr>
+        <p:cNvPr id="1" name=""/>
+        <p:cNvGrpSpPr/>
+        <p:nvPr/>
+      </p:nvGrpSpPr>
+      <p:grpSpPr>
+        <a:xfrm>
+          <a:off x="0" y="0"/>
+          <a:ext cx="0" cy="0"/>
+          <a:chOff x="0" y="0"/>
+          <a:chExt cx="0" cy="0"/>
+        </a:xfrm>
+      </p:grpSpPr>
+      <p:sp>
+        <p:nvSpPr>
+          <p:cNvPr id="2" name="Title 1"/>
+          <p:cNvSpPr>
+            <a:spLocks noGrp="1"/>
+          </p:cNvSpPr>
+          <p:nvPr>
+            <p:ph type="title"/>
+          </p:nvPr>
+        </p:nvSpPr>
+        <p:spPr/>
+        <p:txBody>
+          <a:bodyPr/>
+          <a:lstStyle/>
+          <a:p>
+            <a:pPr algn="ctr"/>
+            <a:r>
+              <a:rPr lang="sr-Latn-RS" dirty="0" smtClean="0"/>
+              <a:t>Implementacija </a:t>
+            </a:r>
+            <a:endParaRPr lang="sr-Latn-RS" dirty="0"/>
+          </a:p>
+        </p:txBody>
+      </p:sp>
+      <p:sp>
+        <p:nvSpPr>
+          <p:cNvPr id="3" name="Subtitle 2"/>
+          <p:cNvSpPr>
+            <a:spLocks noGrp="1"/>
+          </p:cNvSpPr>
+          <p:nvPr>
+            <p:ph type="subTitle"/>
+          </p:nvPr>
+        </p:nvSpPr>
+        <p:spPr>
+          <a:xfrm>
+            <a:off x="457200" y="1604519"/>
+            <a:ext cx="8229240" cy="4899797"/>
+          </a:xfrm>
+        </p:spPr>
+        <p:txBody>
+          <a:bodyPr/>
+          <a:lstStyle/>
+          <a:p>
+            <a:r>
+              <a:rPr lang="sr-Latn-RS" u="sng" dirty="0" smtClean="0"/>
+              <a:t>Izdvajanje i prepoznavanje regiona</a:t>
+            </a:r>
+          </a:p>
+          <a:p>
+            <a:pPr>
+              <a:buFontTx/>
+              <a:buChar char="-"/>
+            </a:pPr>
+            <a:r>
+              <a:rPr lang="sr-Latn-RS" dirty="0" smtClean="0"/>
+              <a:t>Nakon primene potrebnih transformacija nad slikom, vrši se izdvajanje regiona – korišćenje OpenCV biblioteke</a:t>
+            </a:r>
+          </a:p>
+          <a:p>
+            <a:pPr>
+              <a:buFontTx/>
+              <a:buChar char="-"/>
+            </a:pPr>
+            <a:r>
+              <a:rPr lang="sr-Latn-RS" dirty="0" smtClean="0"/>
+              <a:t>Jedan po jedan region se prepoznaju korišćenjem tess-two biblioteke i novokreiranog obučavajućeg skupa</a:t>
+            </a:r>
+          </a:p>
+          <a:p>
+            <a:pPr>
+              <a:buFontTx/>
+              <a:buChar char="-"/>
+            </a:pPr>
+            <a:r>
+              <a:rPr lang="sr-Latn-RS" dirty="0" smtClean="0"/>
+              <a:t>Formiranje upita koji predstavlja matematički izraz, koji se dalje obrađuje od strane WolframAlpha  - dobijanje rezultata/rešenja</a:t>
+            </a:r>
+            <a:endParaRPr lang="sr-Latn-RS" dirty="0"/>
+          </a:p>
+        </p:txBody>
+      </p:sp>
+    </p:spTree>
+    <p:extLst>
+      <p:ext uri="{BB962C8B-B14F-4D97-AF65-F5344CB8AC3E}">
+        <p14:creationId xmlns:p14="http://schemas.microsoft.com/office/powerpoint/2010/main" val="2026101755"/>
+      </p:ext>
+    </p:extLst>
+  </p:cSld>
+  <p:clrMapOvr>
+    <a:masterClrMapping/>
+  </p:clrMapOvr>
+</p:sld>
+</file>
+
+<file path=ppt/slides/slide13.xml><?xml version="1.0" encoding="utf-8"?>
+<p:sld xmlns:a="http://schemas.openxmlformats.org/drawingml/2006/main" xmlns:r="http://schemas.openxmlformats.org/officeDocument/2006/relationships" xmlns:p="http://schemas.openxmlformats.org/presentationml/2006/main">
+  <p:cSld>
+    <p:spTree>
+      <p:nvGrpSpPr>
+        <p:cNvPr id="1" name=""/>
+        <p:cNvGrpSpPr/>
+        <p:nvPr/>
+      </p:nvGrpSpPr>
+      <p:grpSpPr>
+        <a:xfrm>
+          <a:off x="0" y="0"/>
+          <a:ext cx="0" cy="0"/>
+          <a:chOff x="0" y="0"/>
+          <a:chExt cx="0" cy="0"/>
+        </a:xfrm>
+      </p:grpSpPr>
+      <p:sp>
+        <p:nvSpPr>
+          <p:cNvPr id="2" name="Title 1"/>
+          <p:cNvSpPr>
+            <a:spLocks noGrp="1"/>
+          </p:cNvSpPr>
+          <p:nvPr>
+            <p:ph type="title"/>
+          </p:nvPr>
+        </p:nvSpPr>
+        <p:spPr/>
+        <p:txBody>
+          <a:bodyPr/>
+          <a:lstStyle/>
+          <a:p>
+            <a:pPr algn="ctr"/>
+            <a:r>
+              <a:rPr lang="sr-Latn-RS" dirty="0" smtClean="0"/>
+              <a:t>Korišćenje</a:t>
+            </a:r>
+            <a:endParaRPr lang="sr-Latn-RS" dirty="0"/>
+          </a:p>
+        </p:txBody>
+      </p:sp>
+      <p:pic>
+        <p:nvPicPr>
+          <p:cNvPr id="4" name="Picture 3"/>
+          <p:cNvPicPr>
+            <a:picLocks noChangeAspect="1"/>
+          </p:cNvPicPr>
+          <p:nvPr/>
+        </p:nvPicPr>
+        <p:blipFill>
+          <a:blip r:embed="rId2">
+            <a:extLst>
+              <a:ext uri="{28A0092B-C50C-407E-A947-70E740481C1C}">
+                <a14:useLocalDpi xmlns:a14="http://schemas.microsoft.com/office/drawing/2010/main" val="0"/>
+              </a:ext>
+            </a:extLst>
+          </a:blip>
+          <a:stretch>
+            <a:fillRect/>
+          </a:stretch>
+        </p:blipFill>
+        <p:spPr>
+          <a:xfrm>
+            <a:off x="950866" y="1637732"/>
+            <a:ext cx="3116168" cy="4861842"/>
+          </a:xfrm>
+          <a:prstGeom prst="rect">
+            <a:avLst/>
+          </a:prstGeom>
+        </p:spPr>
+      </p:pic>
+      <p:pic>
+        <p:nvPicPr>
+          <p:cNvPr id="5" name="Picture 4"/>
+          <p:cNvPicPr>
+            <a:picLocks noChangeAspect="1"/>
+          </p:cNvPicPr>
+          <p:nvPr/>
+        </p:nvPicPr>
+        <p:blipFill>
+          <a:blip r:embed="rId3" cstate="print">
+            <a:extLst>
+              <a:ext uri="{28A0092B-C50C-407E-A947-70E740481C1C}">
+                <a14:useLocalDpi xmlns:a14="http://schemas.microsoft.com/office/drawing/2010/main" val="0"/>
+              </a:ext>
+            </a:extLst>
+          </a:blip>
+          <a:stretch>
+            <a:fillRect/>
+          </a:stretch>
+        </p:blipFill>
+        <p:spPr>
+          <a:xfrm>
+            <a:off x="4936012" y="1637732"/>
+            <a:ext cx="2934385" cy="4861842"/>
+          </a:xfrm>
+          <a:prstGeom prst="rect">
+            <a:avLst/>
+          </a:prstGeom>
+        </p:spPr>
+      </p:pic>
+    </p:spTree>
+    <p:extLst>
+      <p:ext uri="{BB962C8B-B14F-4D97-AF65-F5344CB8AC3E}">
+        <p14:creationId xmlns:p14="http://schemas.microsoft.com/office/powerpoint/2010/main" val="716435671"/>
+      </p:ext>
+    </p:extLst>
+  </p:cSld>
+  <p:clrMapOvr>
+    <a:masterClrMapping/>
+  </p:clrMapOvr>
+</p:sld>
+</file>
+
 <file path=ppt/slides/slide2.xml><?xml version="1.0" encoding="utf-8"?>
 <p:sld xmlns:a="http://schemas.openxmlformats.org/drawingml/2006/main" xmlns:r="http://schemas.openxmlformats.org/officeDocument/2006/relationships" xmlns:p="http://schemas.openxmlformats.org/presentationml/2006/main">
   <p:cSld>
@@ -6406,13 +6855,13 @@
               <a:t>Zadatak</a:t>
             </a:r>
             <a:r>
-              <a:rPr lang="sr-Latn-RS" sz="3200" dirty="0" smtClean="0">
+              <a:rPr lang="sr-Latn-RS" sz="3200" smtClean="0">
                 <a:solidFill>
                   <a:srgbClr val="000000"/>
                 </a:solidFill>
                 <a:latin typeface="+mj-lt"/>
               </a:rPr>
-              <a:t> i motivacija</a:t>
+              <a:t> </a:t>
             </a:r>
             <a:endParaRPr dirty="0">
               <a:latin typeface="+mj-lt"/>
@@ -6465,12 +6914,60 @@
               <a:t> </a:t>
             </a:r>
             <a:r>
+              <a:rPr lang="en-US" sz="2000" dirty="0" err="1" smtClean="0">
+                <a:solidFill>
+                  <a:srgbClr val="000000"/>
+                </a:solidFill>
+              </a:rPr>
+              <a:t>softverski</a:t>
+            </a:r>
+            <a:r>
+              <a:rPr lang="en-US" sz="2000" dirty="0" smtClean="0">
+                <a:solidFill>
+                  <a:srgbClr val="000000"/>
+                </a:solidFill>
+              </a:rPr>
+              <a:t> s</a:t>
+            </a:r>
+            <a:r>
+              <a:rPr lang="sr-Latn-RS" sz="2000" dirty="0">
+                <a:solidFill>
+                  <a:srgbClr val="000000"/>
+                </a:solidFill>
+              </a:rPr>
+              <a:t>i</a:t>
+            </a:r>
+            <a:r>
+              <a:rPr lang="en-US" sz="2000" dirty="0" smtClean="0">
+                <a:solidFill>
+                  <a:srgbClr val="000000"/>
+                </a:solidFill>
+              </a:rPr>
+              <a:t>stem (android </a:t>
+            </a:r>
+            <a:r>
+              <a:rPr lang="en-US" sz="2000" dirty="0" err="1" smtClean="0">
+                <a:solidFill>
+                  <a:srgbClr val="000000"/>
+                </a:solidFill>
+              </a:rPr>
+              <a:t>aplikaciju</a:t>
+            </a:r>
+            <a:r>
+              <a:rPr lang="en-US" sz="2000" dirty="0" smtClean="0">
+                <a:solidFill>
+                  <a:srgbClr val="000000"/>
+                </a:solidFill>
+              </a:rPr>
+              <a:t>) </a:t>
+            </a:r>
+            <a:r>
               <a:rPr lang="en-US" sz="2000" dirty="0" err="1">
                 <a:solidFill>
                   <a:srgbClr val="000000"/>
                 </a:solidFill>
               </a:rPr>
-              <a:t>sistem</a:t>
+              <a:t>za</a:t>
             </a:r>
             <a:r>
               <a:rPr lang="en-US" sz="2000" dirty="0">
@@ -6486,7 +6983,7 @@
                   <a:srgbClr val="000000"/>
                 </a:solidFill>
               </a:rPr>
-              <a:t>za</a:t>
+              <a:t>prepoznavanje</a:t>
             </a:r>
             <a:r>
               <a:rPr lang="en-US" sz="2000" dirty="0">
@@ -6497,39 +6994,22 @@
               <a:t> </a:t>
             </a:r>
             <a:r>
-              <a:rPr lang="en-US" sz="2000" dirty="0" err="1">
-                <a:solidFill>
-                  <a:srgbClr val="000000"/>
-                </a:solidFill>
-              </a:rPr>
-              <a:t>prepoznavanje</a:t>
-            </a:r>
-            <a:r>
-              <a:rPr lang="en-US" sz="2000" dirty="0">
-                <a:solidFill>
-                  <a:srgbClr val="000000"/>
-                </a:solidFill>
-              </a:rPr>
-              <a:t> </a:t>
-            </a:r>
-            <a:r>
               <a:rPr lang="sr-Latn-RS" sz="2000" dirty="0" smtClean="0">
                 <a:solidFill>
                   <a:srgbClr val="000000"/>
                 </a:solidFill>
               </a:rPr>
-              <a:t>ručno napisane matematičke jednačine – brojevi, slova, matematičke operacije i funkcije</a:t>
+              <a:t>ručno napisane matematičke jednačine – brojevi, matematičke operacije i funkcije</a:t>
             </a:r>
             <a:r>
               <a:rPr lang="en-US" sz="2000" dirty="0" smtClean="0">
                 <a:solidFill>
                   <a:srgbClr val="000000"/>
                 </a:solidFill>
-                <a:latin typeface="Comic Sans MS"/>
               </a:rPr>
               <a:t>.</a:t>
             </a:r>
-            <a:endParaRPr dirty="0" smtClean="0"/>
+            <a:endParaRPr sz="2000" dirty="0" smtClean="0"/>
           </a:p>
           <a:p>
             <a:pPr algn="r">
@@ -6537,7 +7017,7 @@
                 <a:spcPct val="100000"/>
               </a:lnSpc>
             </a:pPr>
-            <a:endParaRPr dirty="0" smtClean="0"/>
+            <a:endParaRPr sz="2000" dirty="0" smtClean="0"/>
           </a:p>
           <a:p>
             <a:pPr algn="r">
@@ -6550,13 +7030,10 @@
                 <a:solidFill>
                   <a:srgbClr val="000000"/>
                 </a:solidFill>
-                <a:latin typeface="+mj-lt"/>
               </a:rPr>
               <a:t>Nakon uspešnog prepoznavanja, naredni zadatak sistema je da prepoznatu jednačinu reši i da rešenje prikaže korisniku.</a:t>
             </a:r>
-            <a:endParaRPr dirty="0" smtClean="0">
-              <a:latin typeface="+mj-lt"/>
-            </a:endParaRPr>
+            <a:endParaRPr sz="2000" dirty="0" smtClean="0"/>
           </a:p>
           <a:p>
             <a:pPr algn="r">
@@ -6564,7 +7041,7 @@
                 <a:spcPct val="100000"/>
               </a:lnSpc>
             </a:pPr>
-            <a:endParaRPr dirty="0"/>
+            <a:endParaRPr sz="2000" dirty="0"/>
           </a:p>
           <a:p>
             <a:pPr algn="r">
@@ -6573,17 +7050,38 @@
               </a:lnSpc>
             </a:pPr>
             <a:r>
+              <a:rPr lang="en-US" sz="2000" dirty="0" err="1" smtClean="0">
+                <a:solidFill>
+                  <a:srgbClr val="000000"/>
+                </a:solidFill>
+              </a:rPr>
+              <a:t>Implementaciju</a:t>
+            </a:r>
+            <a:r>
+              <a:rPr lang="en-US" sz="2000" dirty="0" smtClean="0">
+                <a:solidFill>
+                  <a:srgbClr val="000000"/>
+                </a:solidFill>
+              </a:rPr>
+              <a:t> </a:t>
+            </a:r>
+            <a:r>
+              <a:rPr lang="en-US" sz="2000" dirty="0" err="1" smtClean="0">
+                <a:solidFill>
+                  <a:srgbClr val="000000"/>
+                </a:solidFill>
+              </a:rPr>
+              <a:t>izv</a:t>
+            </a:r>
+            <a:r>
               <a:rPr lang="sr-Latn-RS" sz="2000" dirty="0" smtClean="0">
                 <a:solidFill>
                   <a:srgbClr val="000000"/>
                 </a:solidFill>
-                <a:latin typeface="+mj-lt"/>
-              </a:rPr>
-              <a:t>Ovakav sistem (aplikacija) znatno pomaže pri rešavanju vremenski zahtevnih matematičkih problema (jednačina).</a:t>
-            </a:r>
-            <a:endParaRPr dirty="0">
-              <a:latin typeface="+mj-lt"/>
-            </a:endParaRPr>
+              </a:rPr>
+              <a:t>ršiti u programskom jeziku java.</a:t>
+            </a:r>
+            <a:endParaRPr sz="2000" dirty="0"/>
           </a:p>
           <a:p>
             <a:pPr algn="r">
@@ -6591,7 +7089,7 @@
                 <a:spcPct val="100000"/>
               </a:lnSpc>
             </a:pPr>
-            <a:endParaRPr dirty="0"/>
+            <a:endParaRPr sz="2000" dirty="0"/>
           </a:p>
           <a:p>
             <a:pPr algn="r">
@@ -6599,7 +7097,11 @@
                 <a:spcPct val="100000"/>
               </a:lnSpc>
             </a:pPr>
-            <a:endParaRPr dirty="0"/>
+            <a:r>
+              <a:rPr lang="sr-Latn-RS" sz="2000" dirty="0" smtClean="0"/>
+              <a:t>Verifikaciju izvršiti na izabranim primerima.</a:t>
+            </a:r>
+            <a:endParaRPr sz="2000" dirty="0"/>
           </a:p>
           <a:p>
             <a:pPr algn="r">
@@ -6773,6 +7275,260 @@
       </p:grpSpPr>
       <p:sp>
         <p:nvSpPr>
+          <p:cNvPr id="2" name="Title 1"/>
+          <p:cNvSpPr>
+            <a:spLocks noGrp="1"/>
+          </p:cNvSpPr>
+          <p:nvPr>
+            <p:ph type="title"/>
+          </p:nvPr>
+        </p:nvSpPr>
+        <p:spPr/>
+        <p:txBody>
+          <a:bodyPr/>
+          <a:lstStyle/>
+          <a:p>
+            <a:pPr algn="ctr"/>
+            <a:r>
+              <a:rPr lang="sr-Latn-RS" dirty="0" smtClean="0"/>
+              <a:t>                             Kontakt</a:t>
+            </a:r>
+            <a:endParaRPr lang="sr-Latn-RS" dirty="0"/>
+          </a:p>
+        </p:txBody>
+      </p:sp>
+      <p:sp>
+        <p:nvSpPr>
+          <p:cNvPr id="3" name="Subtitle 2"/>
+          <p:cNvSpPr>
+            <a:spLocks noGrp="1"/>
+          </p:cNvSpPr>
+          <p:nvPr>
+            <p:ph type="subTitle"/>
+          </p:nvPr>
+        </p:nvSpPr>
+        <p:spPr/>
+        <p:txBody>
+          <a:bodyPr/>
+          <a:lstStyle/>
+          <a:p>
+            <a:r>
+              <a:rPr lang="sr-Latn-RS" dirty="0" smtClean="0"/>
+              <a:t>Nenad Rad RA149/2012</a:t>
+            </a:r>
+          </a:p>
+          <a:p>
+            <a:pPr marL="0" indent="0">
+              <a:buNone/>
+            </a:pPr>
+            <a:r>
+              <a:rPr lang="sr-Latn-RS" dirty="0"/>
+              <a:t>	</a:t>
+            </a:r>
+            <a:r>
+              <a:rPr lang="sr-Latn-RS" dirty="0" smtClean="0"/>
+              <a:t>nenad.rad933@gmail.com</a:t>
+            </a:r>
+          </a:p>
+        </p:txBody>
+      </p:sp>
+    </p:spTree>
+    <p:extLst>
+      <p:ext uri="{BB962C8B-B14F-4D97-AF65-F5344CB8AC3E}">
+        <p14:creationId xmlns:p14="http://schemas.microsoft.com/office/powerpoint/2010/main" val="459404220"/>
+      </p:ext>
+    </p:extLst>
+  </p:cSld>
+  <p:clrMapOvr>
+    <a:masterClrMapping/>
+  </p:clrMapOvr>
+</p:sld>
+</file>
+
+<file path=ppt/slides/slide4.xml><?xml version="1.0" encoding="utf-8"?>
+<p:sld xmlns:a="http://schemas.openxmlformats.org/drawingml/2006/main" xmlns:r="http://schemas.openxmlformats.org/officeDocument/2006/relationships" xmlns:p="http://schemas.openxmlformats.org/presentationml/2006/main">
+  <p:cSld>
+    <p:spTree>
+      <p:nvGrpSpPr>
+        <p:cNvPr id="1" name=""/>
+        <p:cNvGrpSpPr/>
+        <p:nvPr/>
+      </p:nvGrpSpPr>
+      <p:grpSpPr>
+        <a:xfrm>
+          <a:off x="0" y="0"/>
+          <a:ext cx="0" cy="0"/>
+          <a:chOff x="0" y="0"/>
+          <a:chExt cx="0" cy="0"/>
+        </a:xfrm>
+      </p:grpSpPr>
+      <p:sp>
+        <p:nvSpPr>
+          <p:cNvPr id="2" name="Title 1"/>
+          <p:cNvSpPr>
+            <a:spLocks noGrp="1"/>
+          </p:cNvSpPr>
+          <p:nvPr>
+            <p:ph type="title"/>
+          </p:nvPr>
+        </p:nvSpPr>
+        <p:spPr/>
+        <p:txBody>
+          <a:bodyPr/>
+          <a:lstStyle/>
+          <a:p>
+            <a:pPr algn="ctr"/>
+            <a:r>
+              <a:rPr lang="sr-Latn-RS" dirty="0" smtClean="0"/>
+              <a:t>		Prošireni zadatak</a:t>
+            </a:r>
+            <a:endParaRPr lang="sr-Latn-RS" dirty="0"/>
+          </a:p>
+        </p:txBody>
+      </p:sp>
+      <p:sp>
+        <p:nvSpPr>
+          <p:cNvPr id="3" name="Subtitle 2"/>
+          <p:cNvSpPr>
+            <a:spLocks noGrp="1"/>
+          </p:cNvSpPr>
+          <p:nvPr>
+            <p:ph type="subTitle"/>
+          </p:nvPr>
+        </p:nvSpPr>
+        <p:spPr/>
+        <p:txBody>
+          <a:bodyPr/>
+          <a:lstStyle/>
+          <a:p>
+            <a:r>
+              <a:rPr lang="sr-Latn-RS" dirty="0" smtClean="0"/>
+              <a:t>Potrebno je omogućiti da pri startovanju aplikacije korisnik uslika matematički izraz, rukom napisan na papiru</a:t>
+            </a:r>
+          </a:p>
+          <a:p>
+            <a:r>
+              <a:rPr lang="sr-Latn-RS" dirty="0" smtClean="0"/>
+              <a:t>Nakon toga, vrši se prepoznavanje matematičkog izraza sa slike</a:t>
+            </a:r>
+          </a:p>
+          <a:p>
+            <a:r>
+              <a:rPr lang="sr-Latn-RS" dirty="0" smtClean="0"/>
+              <a:t>Krajnji korak je računanje matematičkog izraza / rešavanja matematičke jednačine i prikazivanje rešenja korisniku</a:t>
+            </a:r>
+            <a:endParaRPr lang="sr-Latn-RS" dirty="0"/>
+          </a:p>
+        </p:txBody>
+      </p:sp>
+    </p:spTree>
+    <p:extLst>
+      <p:ext uri="{BB962C8B-B14F-4D97-AF65-F5344CB8AC3E}">
+        <p14:creationId xmlns:p14="http://schemas.microsoft.com/office/powerpoint/2010/main" val="460057194"/>
+      </p:ext>
+    </p:extLst>
+  </p:cSld>
+  <p:clrMapOvr>
+    <a:masterClrMapping/>
+  </p:clrMapOvr>
+</p:sld>
+</file>
+
+<file path=ppt/slides/slide5.xml><?xml version="1.0" encoding="utf-8"?>
+<p:sld xmlns:a="http://schemas.openxmlformats.org/drawingml/2006/main" xmlns:r="http://schemas.openxmlformats.org/officeDocument/2006/relationships" xmlns:p="http://schemas.openxmlformats.org/presentationml/2006/main">
+  <p:cSld>
+    <p:spTree>
+      <p:nvGrpSpPr>
+        <p:cNvPr id="1" name=""/>
+        <p:cNvGrpSpPr/>
+        <p:nvPr/>
+      </p:nvGrpSpPr>
+      <p:grpSpPr>
+        <a:xfrm>
+          <a:off x="0" y="0"/>
+          <a:ext cx="0" cy="0"/>
+          <a:chOff x="0" y="0"/>
+          <a:chExt cx="0" cy="0"/>
+        </a:xfrm>
+      </p:grpSpPr>
+      <p:sp>
+        <p:nvSpPr>
+          <p:cNvPr id="2" name="Title 1"/>
+          <p:cNvSpPr>
+            <a:spLocks noGrp="1"/>
+          </p:cNvSpPr>
+          <p:nvPr>
+            <p:ph type="title"/>
+          </p:nvPr>
+        </p:nvSpPr>
+        <p:spPr/>
+        <p:txBody>
+          <a:bodyPr/>
+          <a:lstStyle/>
+          <a:p>
+            <a:r>
+              <a:rPr lang="sr-Latn-RS" dirty="0"/>
+              <a:t>	</a:t>
+            </a:r>
+            <a:r>
+              <a:rPr lang="sr-Latn-RS" dirty="0" smtClean="0"/>
+              <a:t>		Primeri za testiranje</a:t>
+            </a:r>
+            <a:endParaRPr lang="sr-Latn-RS" dirty="0"/>
+          </a:p>
+        </p:txBody>
+      </p:sp>
+      <p:sp>
+        <p:nvSpPr>
+          <p:cNvPr id="3" name="Subtitle 2"/>
+          <p:cNvSpPr>
+            <a:spLocks noGrp="1"/>
+          </p:cNvSpPr>
+          <p:nvPr>
+            <p:ph type="subTitle"/>
+          </p:nvPr>
+        </p:nvSpPr>
+        <p:spPr/>
+        <p:txBody>
+          <a:bodyPr/>
+          <a:lstStyle/>
+          <a:p>
+            <a:endParaRPr lang="sr-Latn-RS" dirty="0"/>
+          </a:p>
+        </p:txBody>
+      </p:sp>
+    </p:spTree>
+    <p:extLst>
+      <p:ext uri="{BB962C8B-B14F-4D97-AF65-F5344CB8AC3E}">
+        <p14:creationId xmlns:p14="http://schemas.microsoft.com/office/powerpoint/2010/main" val="308234675"/>
+      </p:ext>
+    </p:extLst>
+  </p:cSld>
+  <p:clrMapOvr>
+    <a:masterClrMapping/>
+  </p:clrMapOvr>
+</p:sld>
+</file>
+
+<file path=ppt/slides/slide6.xml><?xml version="1.0" encoding="utf-8"?>
+<p:sld xmlns:a="http://schemas.openxmlformats.org/drawingml/2006/main" xmlns:r="http://schemas.openxmlformats.org/officeDocument/2006/relationships" xmlns:p="http://schemas.openxmlformats.org/presentationml/2006/main">
+  <p:cSld>
+    <p:spTree>
+      <p:nvGrpSpPr>
+        <p:cNvPr id="1" name=""/>
+        <p:cNvGrpSpPr/>
+        <p:nvPr/>
+      </p:nvGrpSpPr>
+      <p:grpSpPr>
+        <a:xfrm>
+          <a:off x="0" y="0"/>
+          <a:ext cx="0" cy="0"/>
+          <a:chOff x="0" y="0"/>
+          <a:chExt cx="0" cy="0"/>
+        </a:xfrm>
+      </p:grpSpPr>
+      <p:sp>
+        <p:nvSpPr>
           <p:cNvPr id="195" name="CustomShape 1"/>
           <p:cNvSpPr/>
           <p:nvPr/>
@@ -7145,7 +7901,7 @@
 </p:sld>
 </file>
 
-<file path=ppt/slides/slide4.xml><?xml version="1.0" encoding="utf-8"?>
+<file path=ppt/slides/slide7.xml><?xml version="1.0" encoding="utf-8"?>
 <p:sld xmlns:a="http://schemas.openxmlformats.org/drawingml/2006/main" xmlns:r="http://schemas.openxmlformats.org/officeDocument/2006/relationships" xmlns:p="http://schemas.openxmlformats.org/presentationml/2006/main">
   <p:cSld>
     <p:spTree>
@@ -7398,13 +8154,40 @@
               <a:t> </a:t>
             </a:r>
             <a:r>
+              <a:rPr lang="en-US" sz="2000" dirty="0" err="1" smtClean="0">
+                <a:solidFill>
+                  <a:srgbClr val="000000"/>
+                </a:solidFill>
+                <a:latin typeface="Arial"/>
+              </a:rPr>
+              <a:t>izraza</a:t>
+            </a:r>
+            <a:r>
+              <a:rPr lang="sr-Latn-RS" sz="2000" dirty="0" smtClean="0">
+                <a:solidFill>
+                  <a:srgbClr val="000000"/>
+                </a:solidFill>
+                <a:latin typeface="Arial"/>
+              </a:rPr>
+              <a:t> odštampanih ili</a:t>
+            </a:r>
+            <a:r>
+              <a:rPr lang="en-US" sz="2000" dirty="0" smtClean="0">
+                <a:solidFill>
+                  <a:srgbClr val="000000"/>
+                </a:solidFill>
+                <a:latin typeface="Arial"/>
+              </a:rPr>
+              <a:t> </a:t>
+            </a:r>
+            <a:r>
               <a:rPr lang="en-US" sz="2000" dirty="0" err="1">
                 <a:solidFill>
                   <a:srgbClr val="000000"/>
                 </a:solidFill>
                 <a:latin typeface="Arial"/>
               </a:rPr>
-              <a:t>izraza</a:t>
+              <a:t>napisanih</a:t>
             </a:r>
             <a:r>
               <a:rPr lang="en-US" sz="2000" dirty="0">
@@ -7422,7 +8205,7 @@
                 </a:solidFill>
                 <a:latin typeface="Arial"/>
               </a:rPr>
-              <a:t>napisanih</a:t>
+              <a:t>rukom</a:t>
             </a:r>
             <a:r>
               <a:rPr lang="en-US" sz="2000" dirty="0">
@@ -7440,7 +8223,7 @@
                 </a:solidFill>
                 <a:latin typeface="Arial"/>
               </a:rPr>
-              <a:t>rukom</a:t>
+              <a:t>na</a:t>
             </a:r>
             <a:r>
               <a:rPr lang="en-US" sz="2000" dirty="0">
@@ -7452,16 +8235,16 @@
               <a:t> </a:t>
             </a:r>
             <a:r>
-              <a:rPr lang="en-US" sz="2000" dirty="0" err="1">
-                <a:solidFill>
-                  <a:srgbClr val="000000"/>
-                </a:solidFill>
-                <a:latin typeface="Arial"/>
-              </a:rPr>
-              <a:t>na</a:t>
-            </a:r>
-            <a:r>
-              <a:rPr lang="en-US" sz="2000" dirty="0">
+              <a:rPr lang="sr-Latn-RS" sz="2000" dirty="0" smtClean="0">
+                <a:solidFill>
+                  <a:srgbClr val="000000"/>
+                </a:solidFill>
+                <a:latin typeface="Arial"/>
+              </a:rPr>
+              <a:t>papiru</a:t>
+            </a:r>
+            <a:r>
+              <a:rPr lang="en-US" sz="2000" dirty="0" smtClean="0">
                 <a:solidFill>
                   <a:srgbClr val="000000"/>
                 </a:solidFill>
@@ -7470,58 +8253,13 @@
               <a:t> </a:t>
             </a:r>
             <a:r>
-              <a:rPr lang="en-US" sz="2000" dirty="0" err="1">
-                <a:solidFill>
-                  <a:srgbClr val="000000"/>
-                </a:solidFill>
-                <a:latin typeface="Arial"/>
-              </a:rPr>
-              <a:t>radnoj</a:t>
-            </a:r>
-            <a:r>
-              <a:rPr lang="en-US" sz="2000" dirty="0">
-                <a:solidFill>
-                  <a:srgbClr val="000000"/>
-                </a:solidFill>
-                <a:latin typeface="Arial"/>
-              </a:rPr>
-              <a:t> </a:t>
-            </a:r>
-            <a:r>
-              <a:rPr lang="en-US" sz="2000" dirty="0" err="1">
-                <a:solidFill>
-                  <a:srgbClr val="000000"/>
-                </a:solidFill>
-                <a:latin typeface="Arial"/>
-              </a:rPr>
-              <a:t>površini</a:t>
-            </a:r>
-            <a:r>
-              <a:rPr lang="en-US" sz="2000" dirty="0">
-                <a:solidFill>
-                  <a:srgbClr val="000000"/>
-                </a:solidFill>
-                <a:latin typeface="Arial"/>
-              </a:rPr>
-              <a:t> </a:t>
-            </a:r>
-            <a:r>
-              <a:rPr lang="sr-Latn-RS" sz="2000" dirty="0" smtClean="0">
-                <a:solidFill>
-                  <a:srgbClr val="000000"/>
-                </a:solidFill>
-                <a:latin typeface="Arial"/>
-              </a:rPr>
-              <a:t>(najčešće na papiru)</a:t>
-            </a:r>
-            <a:r>
               <a:rPr lang="en-US" sz="2000" dirty="0" smtClean="0">
                 <a:solidFill>
                   <a:srgbClr val="000000"/>
                 </a:solidFill>
                 <a:latin typeface="Arial"/>
               </a:rPr>
-              <a:t> – </a:t>
+              <a:t>– </a:t>
             </a:r>
             <a:r>
               <a:rPr lang="sr-Latn-RS" sz="2000" dirty="0" smtClean="0">
@@ -7784,13 +8522,49 @@
               <a:t>, </a:t>
             </a:r>
             <a:r>
+              <a:rPr lang="en-US" sz="2000" dirty="0" err="1" smtClean="0">
+                <a:solidFill>
+                  <a:srgbClr val="000000"/>
+                </a:solidFill>
+                <a:latin typeface="Arial"/>
+              </a:rPr>
+              <a:t>deljenje</a:t>
+            </a:r>
+            <a:r>
+              <a:rPr lang="en-US" sz="2000" dirty="0" smtClean="0">
+                <a:solidFill>
+                  <a:srgbClr val="000000"/>
+                </a:solidFill>
+                <a:latin typeface="Arial"/>
+              </a:rPr>
+              <a:t>, </a:t>
+            </a:r>
+            <a:r>
+              <a:rPr lang="en-US" sz="2000" dirty="0" err="1" smtClean="0">
+                <a:solidFill>
+                  <a:srgbClr val="000000"/>
+                </a:solidFill>
+                <a:latin typeface="Arial"/>
+              </a:rPr>
+              <a:t>logaritam</a:t>
+            </a:r>
+            <a:r>
+              <a:rPr lang="en-US" sz="2000" dirty="0" smtClean="0">
+                <a:solidFill>
+                  <a:srgbClr val="000000"/>
+                </a:solidFill>
+                <a:latin typeface="Arial"/>
+              </a:rPr>
+              <a:t>, </a:t>
+            </a:r>
+            <a:r>
               <a:rPr lang="en-US" sz="2000" dirty="0" err="1">
                 <a:solidFill>
                   <a:srgbClr val="000000"/>
                 </a:solidFill>
                 <a:latin typeface="Arial"/>
               </a:rPr>
-              <a:t>deljenje</a:t>
+              <a:t>stepenovanje</a:t>
             </a:r>
             <a:r>
               <a:rPr lang="en-US" sz="2000" dirty="0">
@@ -7802,16 +8576,16 @@
               <a:t>, </a:t>
             </a:r>
             <a:r>
-              <a:rPr lang="en-US" sz="2000" dirty="0" err="1">
-                <a:solidFill>
-                  <a:srgbClr val="000000"/>
-                </a:solidFill>
-                <a:latin typeface="Arial"/>
-              </a:rPr>
-              <a:t>logaritam</a:t>
-            </a:r>
-            <a:r>
-              <a:rPr lang="en-US" sz="2000" dirty="0">
+              <a:rPr lang="en-US" sz="2000" dirty="0" err="1" smtClean="0">
+                <a:solidFill>
+                  <a:srgbClr val="000000"/>
+                </a:solidFill>
+                <a:latin typeface="Arial"/>
+              </a:rPr>
+              <a:t>korenovanje</a:t>
+            </a:r>
+            <a:r>
+              <a:rPr lang="en-US" sz="2000" dirty="0" smtClean="0">
                 <a:solidFill>
                   <a:srgbClr val="000000"/>
                 </a:solidFill>
@@ -7820,16 +8594,34 @@
               <a:t>, </a:t>
             </a:r>
             <a:r>
-              <a:rPr lang="en-US" sz="2000" dirty="0" err="1">
-                <a:solidFill>
-                  <a:srgbClr val="000000"/>
-                </a:solidFill>
-                <a:latin typeface="Arial"/>
-              </a:rPr>
-              <a:t>stepenovanje</a:t>
-            </a:r>
-            <a:r>
-              <a:rPr lang="en-US" sz="2000" dirty="0">
+              <a:rPr lang="en-US" sz="2000" dirty="0" err="1" smtClean="0">
+                <a:solidFill>
+                  <a:srgbClr val="000000"/>
+                </a:solidFill>
+                <a:latin typeface="Arial"/>
+              </a:rPr>
+              <a:t>faktorijel</a:t>
+            </a:r>
+            <a:r>
+              <a:rPr lang="en-US" sz="2000" dirty="0" smtClean="0">
+                <a:solidFill>
+                  <a:srgbClr val="000000"/>
+                </a:solidFill>
+                <a:latin typeface="Arial"/>
+              </a:rPr>
+              <a:t>, sinus, </a:t>
+            </a:r>
+            <a:r>
+              <a:rPr lang="en-US" sz="2000" dirty="0" err="1" smtClean="0">
+                <a:solidFill>
+                  <a:srgbClr val="000000"/>
+                </a:solidFill>
+                <a:latin typeface="Arial"/>
+              </a:rPr>
+              <a:t>kosinus</a:t>
+            </a:r>
+            <a:r>
+              <a:rPr lang="en-US" sz="2000" dirty="0" smtClean="0">
                 <a:solidFill>
                   <a:srgbClr val="000000"/>
                 </a:solidFill>
@@ -7838,61 +8630,7 @@
               <a:t>, </a:t>
             </a:r>
             <a:r>
-              <a:rPr lang="en-US" sz="2000" dirty="0" err="1">
-                <a:solidFill>
-                  <a:srgbClr val="000000"/>
-                </a:solidFill>
-                <a:latin typeface="Arial"/>
-              </a:rPr>
-              <a:t>korenovanje</a:t>
-            </a:r>
-            <a:r>
-              <a:rPr lang="en-US" sz="2000" dirty="0">
-                <a:solidFill>
-                  <a:srgbClr val="000000"/>
-                </a:solidFill>
-                <a:latin typeface="Arial"/>
-              </a:rPr>
-              <a:t>, </a:t>
-            </a:r>
-            <a:r>
-              <a:rPr lang="en-US" sz="2000" dirty="0" err="1">
-                <a:solidFill>
-                  <a:srgbClr val="000000"/>
-                </a:solidFill>
-                <a:latin typeface="Arial"/>
-              </a:rPr>
-              <a:t>faktorijel</a:t>
-            </a:r>
-            <a:r>
-              <a:rPr lang="en-US" sz="2000" dirty="0">
-                <a:solidFill>
-                  <a:srgbClr val="000000"/>
-                </a:solidFill>
-                <a:latin typeface="Arial"/>
-              </a:rPr>
-              <a:t>, sinus, </a:t>
-            </a:r>
-            <a:r>
-              <a:rPr lang="en-US" sz="2000" dirty="0" err="1">
-                <a:solidFill>
-                  <a:srgbClr val="000000"/>
-                </a:solidFill>
-                <a:latin typeface="Arial"/>
-              </a:rPr>
-              <a:t>kosinus</a:t>
-            </a:r>
-            <a:r>
-              <a:rPr lang="en-US" sz="2000" dirty="0">
-                <a:solidFill>
-                  <a:srgbClr val="000000"/>
-                </a:solidFill>
-                <a:latin typeface="Arial"/>
-              </a:rPr>
-              <a:t>, </a:t>
-            </a:r>
-            <a:r>
-              <a:rPr lang="en-US" sz="2000" dirty="0" err="1">
+              <a:rPr lang="en-US" sz="2000" dirty="0" err="1" smtClean="0">
                 <a:solidFill>
                   <a:srgbClr val="000000"/>
                 </a:solidFill>
@@ -8064,7 +8802,7 @@
 </p:sld>
 </file>
 
-<file path=ppt/slides/slide5.xml><?xml version="1.0" encoding="utf-8"?>
+<file path=ppt/slides/slide8.xml><?xml version="1.0" encoding="utf-8"?>
 <p:sld xmlns:a="http://schemas.openxmlformats.org/drawingml/2006/main" xmlns:r="http://schemas.openxmlformats.org/officeDocument/2006/relationships" xmlns:p="http://schemas.openxmlformats.org/presentationml/2006/main">
   <p:cSld>
     <p:spTree>
@@ -8206,13 +8944,13 @@
               <a:t> </a:t>
             </a:r>
             <a:r>
-              <a:rPr lang="sr-Latn-RS" sz="2000" dirty="0" smtClean="0">
-                <a:solidFill>
-                  <a:srgbClr val="000000"/>
-                </a:solidFill>
-                <a:latin typeface="Arial"/>
-              </a:rPr>
-              <a:t>EquationPhotoCalculator</a:t>
+              <a:rPr lang="en-US" sz="2000" dirty="0" err="1" smtClean="0">
+                <a:solidFill>
+                  <a:srgbClr val="000000"/>
+                </a:solidFill>
+                <a:latin typeface="Arial"/>
+              </a:rPr>
+              <a:t>MathOCR</a:t>
             </a:r>
             <a:r>
               <a:rPr lang="en-US" sz="2000" dirty="0" smtClean="0">
@@ -8489,6 +9227,103 @@
       </p:par>
     </p:tnLst>
   </p:timing>
+</p:sld>
+</file>
+
+<file path=ppt/slides/slide9.xml><?xml version="1.0" encoding="utf-8"?>
+<p:sld xmlns:a="http://schemas.openxmlformats.org/drawingml/2006/main" xmlns:r="http://schemas.openxmlformats.org/officeDocument/2006/relationships" xmlns:p="http://schemas.openxmlformats.org/presentationml/2006/main">
+  <p:cSld>
+    <p:spTree>
+      <p:nvGrpSpPr>
+        <p:cNvPr id="1" name=""/>
+        <p:cNvGrpSpPr/>
+        <p:nvPr/>
+      </p:nvGrpSpPr>
+      <p:grpSpPr>
+        <a:xfrm>
+          <a:off x="0" y="0"/>
+          <a:ext cx="0" cy="0"/>
+          <a:chOff x="0" y="0"/>
+          <a:chExt cx="0" cy="0"/>
+        </a:xfrm>
+      </p:grpSpPr>
+      <p:sp>
+        <p:nvSpPr>
+          <p:cNvPr id="2" name="Title 1"/>
+          <p:cNvSpPr>
+            <a:spLocks noGrp="1"/>
+          </p:cNvSpPr>
+          <p:nvPr>
+            <p:ph type="title"/>
+          </p:nvPr>
+        </p:nvSpPr>
+        <p:spPr/>
+        <p:txBody>
+          <a:bodyPr/>
+          <a:lstStyle/>
+          <a:p>
+            <a:pPr algn="ctr"/>
+            <a:r>
+              <a:rPr lang="sr-Latn-RS" dirty="0" smtClean="0"/>
+              <a:t>Implementacija</a:t>
+            </a:r>
+            <a:endParaRPr lang="sr-Latn-RS" dirty="0"/>
+          </a:p>
+        </p:txBody>
+      </p:sp>
+      <p:sp>
+        <p:nvSpPr>
+          <p:cNvPr id="3" name="Subtitle 2"/>
+          <p:cNvSpPr>
+            <a:spLocks noGrp="1"/>
+          </p:cNvSpPr>
+          <p:nvPr>
+            <p:ph type="subTitle"/>
+          </p:nvPr>
+        </p:nvSpPr>
+        <p:spPr/>
+        <p:txBody>
+          <a:bodyPr/>
+          <a:lstStyle/>
+          <a:p>
+            <a:r>
+              <a:rPr lang="sr-Latn-RS" dirty="0" smtClean="0"/>
+              <a:t>OpenCV biblioteka za programski jezik java – obrada slike i izdvajanje regiona/matematičkih elemenata sa slike</a:t>
+            </a:r>
+          </a:p>
+          <a:p>
+            <a:r>
+              <a:rPr lang="sr-Latn-RS" dirty="0" smtClean="0"/>
+              <a:t>Tesseract OCR engine – software korišćen za kreiranje obučavajućeg skupa</a:t>
+            </a:r>
+          </a:p>
+          <a:p>
+            <a:r>
+              <a:rPr lang="sr-Latn-RS" dirty="0" smtClean="0"/>
+              <a:t>tess-two – Tesseract biblioteka za android platformu – prepoznavanje izdvojenih regiona</a:t>
+            </a:r>
+          </a:p>
+          <a:p>
+            <a:r>
+              <a:rPr lang="sr-Latn-RS" dirty="0" smtClean="0"/>
+              <a:t>WolframAlpha API za programski jezik java – računanje prepoznatog matematičkog izraza</a:t>
+            </a:r>
+          </a:p>
+          <a:p>
+            <a:endParaRPr lang="sr-Latn-RS" dirty="0"/>
+          </a:p>
+        </p:txBody>
+      </p:sp>
+    </p:spTree>
+    <p:extLst>
+      <p:ext uri="{BB962C8B-B14F-4D97-AF65-F5344CB8AC3E}">
+        <p14:creationId xmlns:p14="http://schemas.microsoft.com/office/powerpoint/2010/main" val="275611962"/>
+      </p:ext>
+    </p:extLst>
+  </p:cSld>
+  <p:clrMapOvr>
+    <a:masterClrMapping/>
+  </p:clrMapOvr>
 </p:sld>
 </file>
 
